--- a/Bielik NS19 - heart disease.pptx
+++ b/Bielik NS19 - heart disease.pptx
@@ -5934,7 +5934,7 @@
         <p:spPr>
           <a:xfrm>
             <a:off x="755576" y="1320992"/>
-            <a:ext cx="5645905" cy="369332"/>
+            <a:ext cx="4945521" cy="369332"/>
           </a:xfrm>
           <a:prstGeom prst="rect">
             <a:avLst/>
@@ -5951,9 +5951,10 @@
               <a:buChar char="•"/>
             </a:pPr>
             <a:r>
-              <a:rPr lang="sk-SK" dirty="0"/>
-              <a:t>zobrazenie a porovnanie pre dva rôzne výsledky</a:t>
-            </a:r>
+              <a:rPr lang="pl-PL" dirty="0"/>
+              <a:t>zobrazenie a porovnanie dvoch výsledkov</a:t>
+            </a:r>
+            <a:endParaRPr lang="sk-SK" dirty="0"/>
           </a:p>
         </p:txBody>
       </p:sp>
